--- a/lecture-slides/2020-03-03-oop.pptx
+++ b/lecture-slides/2020-03-03-oop.pptx
@@ -5,17 +5,20 @@
     <p:sldMasterId id="2147483648" r:id="rId1"/>
   </p:sldMasterIdLst>
   <p:notesMasterIdLst>
-    <p:notesMasterId r:id="rId10"/>
+    <p:notesMasterId r:id="rId13"/>
   </p:notesMasterIdLst>
   <p:sldIdLst>
     <p:sldId id="305" r:id="rId2"/>
     <p:sldId id="757" r:id="rId3"/>
-    <p:sldId id="656" r:id="rId4"/>
-    <p:sldId id="921" r:id="rId5"/>
-    <p:sldId id="919" r:id="rId6"/>
-    <p:sldId id="920" r:id="rId7"/>
-    <p:sldId id="918" r:id="rId8"/>
-    <p:sldId id="662" r:id="rId9"/>
+    <p:sldId id="924" r:id="rId4"/>
+    <p:sldId id="656" r:id="rId5"/>
+    <p:sldId id="922" r:id="rId6"/>
+    <p:sldId id="923" r:id="rId7"/>
+    <p:sldId id="921" r:id="rId8"/>
+    <p:sldId id="919" r:id="rId9"/>
+    <p:sldId id="920" r:id="rId10"/>
+    <p:sldId id="918" r:id="rId11"/>
+    <p:sldId id="662" r:id="rId12"/>
   </p:sldIdLst>
   <p:sldSz cx="12192000" cy="6858000"/>
   <p:notesSz cx="6858000" cy="9144000"/>
@@ -204,7 +207,7 @@
           <a:p>
             <a:fld id="{A677DEB0-5AA4-49C7-B0AD-AD047A002C4C}" type="datetimeFigureOut">
               <a:rPr lang="en-US" smtClean="0"/>
-              <a:t>3/2/20</a:t>
+              <a:t>3/3/20</a:t>
             </a:fld>
             <a:endParaRPr lang="en-US"/>
           </a:p>
@@ -555,6 +558,174 @@
 </p:notes>
 </file>
 
+<file path=ppt/notesSlides/notesSlide10.xml><?xml version="1.0" encoding="utf-8"?>
+<p:notes xmlns:a="http://schemas.openxmlformats.org/drawingml/2006/main" xmlns:r="http://schemas.openxmlformats.org/officeDocument/2006/relationships" xmlns:p="http://schemas.openxmlformats.org/presentationml/2006/main">
+  <p:cSld>
+    <p:spTree>
+      <p:nvGrpSpPr>
+        <p:cNvPr id="1" name=""/>
+        <p:cNvGrpSpPr/>
+        <p:nvPr/>
+      </p:nvGrpSpPr>
+      <p:grpSpPr>
+        <a:xfrm>
+          <a:off x="0" y="0"/>
+          <a:ext cx="0" cy="0"/>
+          <a:chOff x="0" y="0"/>
+          <a:chExt cx="0" cy="0"/>
+        </a:xfrm>
+      </p:grpSpPr>
+      <p:sp>
+        <p:nvSpPr>
+          <p:cNvPr id="2" name="Slide Image Placeholder 1"/>
+          <p:cNvSpPr>
+            <a:spLocks noGrp="1" noRot="1" noChangeAspect="1"/>
+          </p:cNvSpPr>
+          <p:nvPr>
+            <p:ph type="sldImg"/>
+          </p:nvPr>
+        </p:nvSpPr>
+        <p:spPr/>
+      </p:sp>
+      <p:sp>
+        <p:nvSpPr>
+          <p:cNvPr id="3" name="Notes Placeholder 2"/>
+          <p:cNvSpPr>
+            <a:spLocks noGrp="1"/>
+          </p:cNvSpPr>
+          <p:nvPr>
+            <p:ph type="body" idx="1"/>
+          </p:nvPr>
+        </p:nvSpPr>
+        <p:spPr/>
+        <p:txBody>
+          <a:bodyPr/>
+          <a:lstStyle/>
+          <a:p>
+            <a:endParaRPr lang="en-US" sz="1000" dirty="0"/>
+          </a:p>
+        </p:txBody>
+      </p:sp>
+      <p:sp>
+        <p:nvSpPr>
+          <p:cNvPr id="4" name="Slide Number Placeholder 3"/>
+          <p:cNvSpPr>
+            <a:spLocks noGrp="1"/>
+          </p:cNvSpPr>
+          <p:nvPr>
+            <p:ph type="sldNum" sz="quarter" idx="10"/>
+          </p:nvPr>
+        </p:nvSpPr>
+        <p:spPr/>
+        <p:txBody>
+          <a:bodyPr/>
+          <a:lstStyle/>
+          <a:p>
+            <a:fld id="{5394DE12-7B9B-46AA-AC19-C30A49928B9B}" type="slidenum">
+              <a:rPr lang="en-US" smtClean="0"/>
+              <a:t>10</a:t>
+            </a:fld>
+            <a:endParaRPr lang="en-US" dirty="0"/>
+          </a:p>
+        </p:txBody>
+      </p:sp>
+    </p:spTree>
+    <p:extLst>
+      <p:ext uri="{BB962C8B-B14F-4D97-AF65-F5344CB8AC3E}">
+        <p14:creationId xmlns:p14="http://schemas.microsoft.com/office/powerpoint/2010/main" val="2681740051"/>
+      </p:ext>
+    </p:extLst>
+  </p:cSld>
+  <p:clrMapOvr>
+    <a:masterClrMapping/>
+  </p:clrMapOvr>
+</p:notes>
+</file>
+
+<file path=ppt/notesSlides/notesSlide11.xml><?xml version="1.0" encoding="utf-8"?>
+<p:notes xmlns:a="http://schemas.openxmlformats.org/drawingml/2006/main" xmlns:r="http://schemas.openxmlformats.org/officeDocument/2006/relationships" xmlns:p="http://schemas.openxmlformats.org/presentationml/2006/main">
+  <p:cSld>
+    <p:spTree>
+      <p:nvGrpSpPr>
+        <p:cNvPr id="1" name=""/>
+        <p:cNvGrpSpPr/>
+        <p:nvPr/>
+      </p:nvGrpSpPr>
+      <p:grpSpPr>
+        <a:xfrm>
+          <a:off x="0" y="0"/>
+          <a:ext cx="0" cy="0"/>
+          <a:chOff x="0" y="0"/>
+          <a:chExt cx="0" cy="0"/>
+        </a:xfrm>
+      </p:grpSpPr>
+      <p:sp>
+        <p:nvSpPr>
+          <p:cNvPr id="2" name="Slide Image Placeholder 1"/>
+          <p:cNvSpPr>
+            <a:spLocks noGrp="1" noRot="1" noChangeAspect="1"/>
+          </p:cNvSpPr>
+          <p:nvPr>
+            <p:ph type="sldImg"/>
+          </p:nvPr>
+        </p:nvSpPr>
+        <p:spPr/>
+      </p:sp>
+      <p:sp>
+        <p:nvSpPr>
+          <p:cNvPr id="3" name="Notes Placeholder 2"/>
+          <p:cNvSpPr>
+            <a:spLocks noGrp="1"/>
+          </p:cNvSpPr>
+          <p:nvPr>
+            <p:ph type="body" idx="1"/>
+          </p:nvPr>
+        </p:nvSpPr>
+        <p:spPr/>
+        <p:txBody>
+          <a:bodyPr/>
+          <a:lstStyle/>
+          <a:p>
+            <a:endParaRPr lang="en-US" dirty="0"/>
+          </a:p>
+        </p:txBody>
+      </p:sp>
+      <p:sp>
+        <p:nvSpPr>
+          <p:cNvPr id="4" name="Slide Number Placeholder 3"/>
+          <p:cNvSpPr>
+            <a:spLocks noGrp="1"/>
+          </p:cNvSpPr>
+          <p:nvPr>
+            <p:ph type="sldNum" sz="quarter" idx="10"/>
+          </p:nvPr>
+        </p:nvSpPr>
+        <p:spPr/>
+        <p:txBody>
+          <a:bodyPr/>
+          <a:lstStyle/>
+          <a:p>
+            <a:fld id="{5394DE12-7B9B-46AA-AC19-C30A49928B9B}" type="slidenum">
+              <a:rPr lang="en-US" smtClean="0"/>
+              <a:t>11</a:t>
+            </a:fld>
+            <a:endParaRPr lang="en-US" dirty="0"/>
+          </a:p>
+        </p:txBody>
+      </p:sp>
+    </p:spTree>
+    <p:extLst>
+      <p:ext uri="{BB962C8B-B14F-4D97-AF65-F5344CB8AC3E}">
+        <p14:creationId xmlns:p14="http://schemas.microsoft.com/office/powerpoint/2010/main" val="4229302376"/>
+      </p:ext>
+    </p:extLst>
+  </p:cSld>
+  <p:clrMapOvr>
+    <a:masterClrMapping/>
+  </p:clrMapOvr>
+</p:notes>
+</file>
+
 <file path=ppt/notesSlides/notesSlide2.xml><?xml version="1.0" encoding="utf-8"?>
 <p:notes xmlns:a="http://schemas.openxmlformats.org/drawingml/2006/main" xmlns:r="http://schemas.openxmlformats.org/officeDocument/2006/relationships" xmlns:p="http://schemas.openxmlformats.org/presentationml/2006/main">
   <p:cSld>
@@ -683,13 +854,7 @@
           <a:bodyPr/>
           <a:lstStyle/>
           <a:p>
-            <a:br>
-              <a:rPr lang="en-US" dirty="0"/>
-            </a:br>
-            <a:r>
-              <a:rPr lang="en-US" dirty="0"/>
-              <a:t>Grace period until Monday morning a 6am CT</a:t>
-            </a:r>
+            <a:endParaRPr lang="en-US" dirty="0"/>
           </a:p>
         </p:txBody>
       </p:sp>
@@ -700,26 +865,26 @@
             <a:spLocks noGrp="1"/>
           </p:cNvSpPr>
           <p:nvPr>
-            <p:ph type="sldNum" sz="quarter" idx="5"/>
-          </p:nvPr>
-        </p:nvSpPr>
-        <p:spPr/>
-        <p:txBody>
-          <a:bodyPr/>
-          <a:lstStyle/>
-          <a:p>
-            <a:fld id="{35A4D32B-0177-4B34-AE20-6C72705619FE}" type="slidenum">
+            <p:ph type="sldNum" sz="quarter" idx="10"/>
+          </p:nvPr>
+        </p:nvSpPr>
+        <p:spPr/>
+        <p:txBody>
+          <a:bodyPr/>
+          <a:lstStyle/>
+          <a:p>
+            <a:fld id="{5394DE12-7B9B-46AA-AC19-C30A49928B9B}" type="slidenum">
               <a:rPr lang="en-US" smtClean="0"/>
               <a:t>3</a:t>
             </a:fld>
-            <a:endParaRPr lang="en-US"/>
+            <a:endParaRPr lang="en-US" dirty="0"/>
           </a:p>
         </p:txBody>
       </p:sp>
     </p:spTree>
     <p:extLst>
       <p:ext uri="{BB962C8B-B14F-4D97-AF65-F5344CB8AC3E}">
-        <p14:creationId xmlns:p14="http://schemas.microsoft.com/office/powerpoint/2010/main" val="672602316"/>
+        <p14:creationId xmlns:p14="http://schemas.microsoft.com/office/powerpoint/2010/main" val="1664796004"/>
       </p:ext>
     </p:extLst>
   </p:cSld>
@@ -809,7 +974,7 @@
     </p:spTree>
     <p:extLst>
       <p:ext uri="{BB962C8B-B14F-4D97-AF65-F5344CB8AC3E}">
-        <p14:creationId xmlns:p14="http://schemas.microsoft.com/office/powerpoint/2010/main" val="3514071662"/>
+        <p14:creationId xmlns:p14="http://schemas.microsoft.com/office/powerpoint/2010/main" val="672602316"/>
       </p:ext>
     </p:extLst>
   </p:cSld>
@@ -863,7 +1028,13 @@
           <a:bodyPr/>
           <a:lstStyle/>
           <a:p>
-            <a:endParaRPr lang="en-US" dirty="0"/>
+            <a:br>
+              <a:rPr lang="en-US" dirty="0"/>
+            </a:br>
+            <a:r>
+              <a:rPr lang="en-US" dirty="0"/>
+              <a:t>Grace period until Monday morning a 6am CT</a:t>
+            </a:r>
           </a:p>
         </p:txBody>
       </p:sp>
@@ -874,26 +1045,26 @@
             <a:spLocks noGrp="1"/>
           </p:cNvSpPr>
           <p:nvPr>
-            <p:ph type="sldNum" sz="quarter" idx="10"/>
-          </p:nvPr>
-        </p:nvSpPr>
-        <p:spPr/>
-        <p:txBody>
-          <a:bodyPr/>
-          <a:lstStyle/>
-          <a:p>
-            <a:fld id="{5394DE12-7B9B-46AA-AC19-C30A49928B9B}" type="slidenum">
+            <p:ph type="sldNum" sz="quarter" idx="5"/>
+          </p:nvPr>
+        </p:nvSpPr>
+        <p:spPr/>
+        <p:txBody>
+          <a:bodyPr/>
+          <a:lstStyle/>
+          <a:p>
+            <a:fld id="{35A4D32B-0177-4B34-AE20-6C72705619FE}" type="slidenum">
               <a:rPr lang="en-US" smtClean="0"/>
               <a:t>5</a:t>
             </a:fld>
-            <a:endParaRPr lang="en-US" dirty="0"/>
+            <a:endParaRPr lang="en-US"/>
           </a:p>
         </p:txBody>
       </p:sp>
     </p:spTree>
     <p:extLst>
       <p:ext uri="{BB962C8B-B14F-4D97-AF65-F5344CB8AC3E}">
-        <p14:creationId xmlns:p14="http://schemas.microsoft.com/office/powerpoint/2010/main" val="3267729077"/>
+        <p14:creationId xmlns:p14="http://schemas.microsoft.com/office/powerpoint/2010/main" val="3407405725"/>
       </p:ext>
     </p:extLst>
   </p:cSld>
@@ -983,7 +1154,7 @@
     </p:spTree>
     <p:extLst>
       <p:ext uri="{BB962C8B-B14F-4D97-AF65-F5344CB8AC3E}">
-        <p14:creationId xmlns:p14="http://schemas.microsoft.com/office/powerpoint/2010/main" val="3851666182"/>
+        <p14:creationId xmlns:p14="http://schemas.microsoft.com/office/powerpoint/2010/main" val="1635357952"/>
       </p:ext>
     </p:extLst>
   </p:cSld>
@@ -1037,7 +1208,13 @@
           <a:bodyPr/>
           <a:lstStyle/>
           <a:p>
-            <a:endParaRPr lang="en-US" sz="1000" dirty="0"/>
+            <a:br>
+              <a:rPr lang="en-US" dirty="0"/>
+            </a:br>
+            <a:r>
+              <a:rPr lang="en-US" dirty="0"/>
+              <a:t>Grace period until Monday morning a 6am CT</a:t>
+            </a:r>
           </a:p>
         </p:txBody>
       </p:sp>
@@ -1048,26 +1225,26 @@
             <a:spLocks noGrp="1"/>
           </p:cNvSpPr>
           <p:nvPr>
-            <p:ph type="sldNum" sz="quarter" idx="10"/>
-          </p:nvPr>
-        </p:nvSpPr>
-        <p:spPr/>
-        <p:txBody>
-          <a:bodyPr/>
-          <a:lstStyle/>
-          <a:p>
-            <a:fld id="{5394DE12-7B9B-46AA-AC19-C30A49928B9B}" type="slidenum">
+            <p:ph type="sldNum" sz="quarter" idx="5"/>
+          </p:nvPr>
+        </p:nvSpPr>
+        <p:spPr/>
+        <p:txBody>
+          <a:bodyPr/>
+          <a:lstStyle/>
+          <a:p>
+            <a:fld id="{35A4D32B-0177-4B34-AE20-6C72705619FE}" type="slidenum">
               <a:rPr lang="en-US" smtClean="0"/>
               <a:t>7</a:t>
             </a:fld>
-            <a:endParaRPr lang="en-US" dirty="0"/>
+            <a:endParaRPr lang="en-US"/>
           </a:p>
         </p:txBody>
       </p:sp>
     </p:spTree>
     <p:extLst>
       <p:ext uri="{BB962C8B-B14F-4D97-AF65-F5344CB8AC3E}">
-        <p14:creationId xmlns:p14="http://schemas.microsoft.com/office/powerpoint/2010/main" val="2681740051"/>
+        <p14:creationId xmlns:p14="http://schemas.microsoft.com/office/powerpoint/2010/main" val="3514071662"/>
       </p:ext>
     </p:extLst>
   </p:cSld>
@@ -1151,7 +1328,97 @@
     </p:spTree>
     <p:extLst>
       <p:ext uri="{BB962C8B-B14F-4D97-AF65-F5344CB8AC3E}">
-        <p14:creationId xmlns:p14="http://schemas.microsoft.com/office/powerpoint/2010/main" val="4229302376"/>
+        <p14:creationId xmlns:p14="http://schemas.microsoft.com/office/powerpoint/2010/main" val="3267729077"/>
+      </p:ext>
+    </p:extLst>
+  </p:cSld>
+  <p:clrMapOvr>
+    <a:masterClrMapping/>
+  </p:clrMapOvr>
+</p:notes>
+</file>
+
+<file path=ppt/notesSlides/notesSlide9.xml><?xml version="1.0" encoding="utf-8"?>
+<p:notes xmlns:a="http://schemas.openxmlformats.org/drawingml/2006/main" xmlns:r="http://schemas.openxmlformats.org/officeDocument/2006/relationships" xmlns:p="http://schemas.openxmlformats.org/presentationml/2006/main">
+  <p:cSld>
+    <p:spTree>
+      <p:nvGrpSpPr>
+        <p:cNvPr id="1" name=""/>
+        <p:cNvGrpSpPr/>
+        <p:nvPr/>
+      </p:nvGrpSpPr>
+      <p:grpSpPr>
+        <a:xfrm>
+          <a:off x="0" y="0"/>
+          <a:ext cx="0" cy="0"/>
+          <a:chOff x="0" y="0"/>
+          <a:chExt cx="0" cy="0"/>
+        </a:xfrm>
+      </p:grpSpPr>
+      <p:sp>
+        <p:nvSpPr>
+          <p:cNvPr id="2" name="Slide Image Placeholder 1"/>
+          <p:cNvSpPr>
+            <a:spLocks noGrp="1" noRot="1" noChangeAspect="1"/>
+          </p:cNvSpPr>
+          <p:nvPr>
+            <p:ph type="sldImg"/>
+          </p:nvPr>
+        </p:nvSpPr>
+        <p:spPr/>
+      </p:sp>
+      <p:sp>
+        <p:nvSpPr>
+          <p:cNvPr id="3" name="Notes Placeholder 2"/>
+          <p:cNvSpPr>
+            <a:spLocks noGrp="1"/>
+          </p:cNvSpPr>
+          <p:nvPr>
+            <p:ph type="body" idx="1"/>
+          </p:nvPr>
+        </p:nvSpPr>
+        <p:spPr/>
+        <p:txBody>
+          <a:bodyPr/>
+          <a:lstStyle/>
+          <a:p>
+            <a:br>
+              <a:rPr lang="en-US" dirty="0"/>
+            </a:br>
+            <a:r>
+              <a:rPr lang="en-US" dirty="0"/>
+              <a:t>Grace period until Monday morning a 6am CT</a:t>
+            </a:r>
+          </a:p>
+        </p:txBody>
+      </p:sp>
+      <p:sp>
+        <p:nvSpPr>
+          <p:cNvPr id="4" name="Slide Number Placeholder 3"/>
+          <p:cNvSpPr>
+            <a:spLocks noGrp="1"/>
+          </p:cNvSpPr>
+          <p:nvPr>
+            <p:ph type="sldNum" sz="quarter" idx="5"/>
+          </p:nvPr>
+        </p:nvSpPr>
+        <p:spPr/>
+        <p:txBody>
+          <a:bodyPr/>
+          <a:lstStyle/>
+          <a:p>
+            <a:fld id="{35A4D32B-0177-4B34-AE20-6C72705619FE}" type="slidenum">
+              <a:rPr lang="en-US" smtClean="0"/>
+              <a:t>9</a:t>
+            </a:fld>
+            <a:endParaRPr lang="en-US"/>
+          </a:p>
+        </p:txBody>
+      </p:sp>
+    </p:spTree>
+    <p:extLst>
+      <p:ext uri="{BB962C8B-B14F-4D97-AF65-F5344CB8AC3E}">
+        <p14:creationId xmlns:p14="http://schemas.microsoft.com/office/powerpoint/2010/main" val="3851666182"/>
       </p:ext>
     </p:extLst>
   </p:cSld>
@@ -1308,7 +1575,7 @@
           <a:p>
             <a:fld id="{1B52E0E1-344B-4E26-B5AD-CE86AB802485}" type="datetimeFigureOut">
               <a:rPr lang="en-US" smtClean="0"/>
-              <a:t>3/2/20</a:t>
+              <a:t>3/3/20</a:t>
             </a:fld>
             <a:endParaRPr lang="en-US"/>
           </a:p>
@@ -1506,7 +1773,7 @@
           <a:p>
             <a:fld id="{1B52E0E1-344B-4E26-B5AD-CE86AB802485}" type="datetimeFigureOut">
               <a:rPr lang="en-US" smtClean="0"/>
-              <a:t>3/2/20</a:t>
+              <a:t>3/3/20</a:t>
             </a:fld>
             <a:endParaRPr lang="en-US"/>
           </a:p>
@@ -1714,7 +1981,7 @@
           <a:p>
             <a:fld id="{1B52E0E1-344B-4E26-B5AD-CE86AB802485}" type="datetimeFigureOut">
               <a:rPr lang="en-US" smtClean="0"/>
-              <a:t>3/2/20</a:t>
+              <a:t>3/3/20</a:t>
             </a:fld>
             <a:endParaRPr lang="en-US"/>
           </a:p>
@@ -1912,7 +2179,7 @@
           <a:p>
             <a:fld id="{1B52E0E1-344B-4E26-B5AD-CE86AB802485}" type="datetimeFigureOut">
               <a:rPr lang="en-US" smtClean="0"/>
-              <a:t>3/2/20</a:t>
+              <a:t>3/3/20</a:t>
             </a:fld>
             <a:endParaRPr lang="en-US"/>
           </a:p>
@@ -2187,7 +2454,7 @@
           <a:p>
             <a:fld id="{1B52E0E1-344B-4E26-B5AD-CE86AB802485}" type="datetimeFigureOut">
               <a:rPr lang="en-US" smtClean="0"/>
-              <a:t>3/2/20</a:t>
+              <a:t>3/3/20</a:t>
             </a:fld>
             <a:endParaRPr lang="en-US"/>
           </a:p>
@@ -2452,7 +2719,7 @@
           <a:p>
             <a:fld id="{1B52E0E1-344B-4E26-B5AD-CE86AB802485}" type="datetimeFigureOut">
               <a:rPr lang="en-US" smtClean="0"/>
-              <a:t>3/2/20</a:t>
+              <a:t>3/3/20</a:t>
             </a:fld>
             <a:endParaRPr lang="en-US"/>
           </a:p>
@@ -2864,7 +3131,7 @@
           <a:p>
             <a:fld id="{1B52E0E1-344B-4E26-B5AD-CE86AB802485}" type="datetimeFigureOut">
               <a:rPr lang="en-US" smtClean="0"/>
-              <a:t>3/2/20</a:t>
+              <a:t>3/3/20</a:t>
             </a:fld>
             <a:endParaRPr lang="en-US"/>
           </a:p>
@@ -3005,7 +3272,7 @@
           <a:p>
             <a:fld id="{1B52E0E1-344B-4E26-B5AD-CE86AB802485}" type="datetimeFigureOut">
               <a:rPr lang="en-US" smtClean="0"/>
-              <a:t>3/2/20</a:t>
+              <a:t>3/3/20</a:t>
             </a:fld>
             <a:endParaRPr lang="en-US"/>
           </a:p>
@@ -3118,7 +3385,7 @@
           <a:p>
             <a:fld id="{1B52E0E1-344B-4E26-B5AD-CE86AB802485}" type="datetimeFigureOut">
               <a:rPr lang="en-US" smtClean="0"/>
-              <a:t>3/2/20</a:t>
+              <a:t>3/3/20</a:t>
             </a:fld>
             <a:endParaRPr lang="en-US"/>
           </a:p>
@@ -3429,7 +3696,7 @@
           <a:p>
             <a:fld id="{1B52E0E1-344B-4E26-B5AD-CE86AB802485}" type="datetimeFigureOut">
               <a:rPr lang="en-US" smtClean="0"/>
-              <a:t>3/2/20</a:t>
+              <a:t>3/3/20</a:t>
             </a:fld>
             <a:endParaRPr lang="en-US"/>
           </a:p>
@@ -3717,7 +3984,7 @@
           <a:p>
             <a:fld id="{1B52E0E1-344B-4E26-B5AD-CE86AB802485}" type="datetimeFigureOut">
               <a:rPr lang="en-US" smtClean="0"/>
-              <a:t>3/2/20</a:t>
+              <a:t>3/3/20</a:t>
             </a:fld>
             <a:endParaRPr lang="en-US"/>
           </a:p>
@@ -3958,7 +4225,7 @@
           <a:p>
             <a:fld id="{1B52E0E1-344B-4E26-B5AD-CE86AB802485}" type="datetimeFigureOut">
               <a:rPr lang="en-US" smtClean="0"/>
-              <a:t>3/2/20</a:t>
+              <a:t>3/3/20</a:t>
             </a:fld>
             <a:endParaRPr lang="en-US"/>
           </a:p>
@@ -4475,7 +4742,7 @@
             </a:pPr>
             <a:r>
               <a:rPr lang="en-US" sz="2000" dirty="0"/>
-              <a:t>Friendly Conversation Topic</a:t>
+              <a:t>Friendly Conversation Topic – Stories</a:t>
             </a:r>
           </a:p>
           <a:p>
@@ -4607,7 +4874,7 @@
 </p:sld>
 </file>
 
-<file path=ppt/slides/slide2.xml><?xml version="1.0" encoding="utf-8"?>
+<file path=ppt/slides/slide10.xml><?xml version="1.0" encoding="utf-8"?>
 <p:sld xmlns:a="http://schemas.openxmlformats.org/drawingml/2006/main" xmlns:r="http://schemas.openxmlformats.org/officeDocument/2006/relationships" xmlns:p="http://schemas.openxmlformats.org/presentationml/2006/main">
   <p:cSld>
     <p:spTree>
@@ -4631,415 +4898,6 @@
             <a:spLocks noGrp="1"/>
           </p:cNvSpPr>
           <p:nvPr>
-            <p:ph type="ctrTitle"/>
-          </p:nvPr>
-        </p:nvSpPr>
-        <p:spPr>
-          <a:xfrm>
-            <a:off x="1524000" y="3051480"/>
-            <a:ext cx="9144000" cy="755040"/>
-          </a:xfrm>
-        </p:spPr>
-        <p:txBody>
-          <a:bodyPr anchor="ctr">
-            <a:normAutofit/>
-          </a:bodyPr>
-          <a:lstStyle/>
-          <a:p>
-            <a:r>
-              <a:rPr lang="en-US" sz="4800" dirty="0"/>
-              <a:t>Friendly Conversation Topic</a:t>
-            </a:r>
-          </a:p>
-        </p:txBody>
-      </p:sp>
-    </p:spTree>
-    <p:extLst>
-      <p:ext uri="{BB962C8B-B14F-4D97-AF65-F5344CB8AC3E}">
-        <p14:creationId xmlns:p14="http://schemas.microsoft.com/office/powerpoint/2010/main" val="1083335476"/>
-      </p:ext>
-    </p:extLst>
-  </p:cSld>
-  <p:clrMapOvr>
-    <a:masterClrMapping/>
-  </p:clrMapOvr>
-</p:sld>
-</file>
-
-<file path=ppt/slides/slide3.xml><?xml version="1.0" encoding="utf-8"?>
-<p:sld xmlns:a="http://schemas.openxmlformats.org/drawingml/2006/main" xmlns:r="http://schemas.openxmlformats.org/officeDocument/2006/relationships" xmlns:p="http://schemas.openxmlformats.org/presentationml/2006/main">
-  <p:cSld>
-    <p:spTree>
-      <p:nvGrpSpPr>
-        <p:cNvPr id="1" name=""/>
-        <p:cNvGrpSpPr/>
-        <p:nvPr/>
-      </p:nvGrpSpPr>
-      <p:grpSpPr>
-        <a:xfrm>
-          <a:off x="0" y="0"/>
-          <a:ext cx="0" cy="0"/>
-          <a:chOff x="0" y="0"/>
-          <a:chExt cx="0" cy="0"/>
-        </a:xfrm>
-      </p:grpSpPr>
-      <p:sp>
-        <p:nvSpPr>
-          <p:cNvPr id="2" name="Title 1">
-            <a:extLst>
-              <a:ext uri="{FF2B5EF4-FFF2-40B4-BE49-F238E27FC236}">
-                <a16:creationId xmlns:a16="http://schemas.microsoft.com/office/drawing/2014/main" id="{2A5755BE-860E-40EB-ADA6-6E82BCB49EC3}"/>
-              </a:ext>
-            </a:extLst>
-          </p:cNvPr>
-          <p:cNvSpPr>
-            <a:spLocks noGrp="1"/>
-          </p:cNvSpPr>
-          <p:nvPr>
-            <p:ph type="title"/>
-          </p:nvPr>
-        </p:nvSpPr>
-        <p:spPr/>
-        <p:txBody>
-          <a:bodyPr/>
-          <a:lstStyle/>
-          <a:p>
-            <a:r>
-              <a:rPr lang="en-US" dirty="0"/>
-              <a:t>Agile Requirements</a:t>
-            </a:r>
-          </a:p>
-        </p:txBody>
-      </p:sp>
-      <p:sp>
-        <p:nvSpPr>
-          <p:cNvPr id="3" name="Content Placeholder 2">
-            <a:extLst>
-              <a:ext uri="{FF2B5EF4-FFF2-40B4-BE49-F238E27FC236}">
-                <a16:creationId xmlns:a16="http://schemas.microsoft.com/office/drawing/2014/main" id="{72EF5DE0-5958-4171-A9E3-3D288A31AC3F}"/>
-              </a:ext>
-            </a:extLst>
-          </p:cNvPr>
-          <p:cNvSpPr>
-            <a:spLocks noGrp="1"/>
-          </p:cNvSpPr>
-          <p:nvPr>
-            <p:ph idx="1"/>
-          </p:nvPr>
-        </p:nvSpPr>
-        <p:spPr>
-          <a:xfrm>
-            <a:off x="838200" y="1654444"/>
-            <a:ext cx="10515600" cy="4522519"/>
-          </a:xfrm>
-        </p:spPr>
-        <p:txBody>
-          <a:bodyPr>
-            <a:normAutofit/>
-          </a:bodyPr>
-          <a:lstStyle/>
-          <a:p>
-            <a:pPr marL="0" indent="0">
-              <a:buNone/>
-            </a:pPr>
-            <a:endParaRPr lang="en-US" sz="2000" dirty="0"/>
-          </a:p>
-        </p:txBody>
-      </p:sp>
-    </p:spTree>
-    <p:extLst>
-      <p:ext uri="{BB962C8B-B14F-4D97-AF65-F5344CB8AC3E}">
-        <p14:creationId xmlns:p14="http://schemas.microsoft.com/office/powerpoint/2010/main" val="381560011"/>
-      </p:ext>
-    </p:extLst>
-  </p:cSld>
-  <p:clrMapOvr>
-    <a:masterClrMapping/>
-  </p:clrMapOvr>
-</p:sld>
-</file>
-
-<file path=ppt/slides/slide4.xml><?xml version="1.0" encoding="utf-8"?>
-<p:sld xmlns:a="http://schemas.openxmlformats.org/drawingml/2006/main" xmlns:r="http://schemas.openxmlformats.org/officeDocument/2006/relationships" xmlns:p="http://schemas.openxmlformats.org/presentationml/2006/main">
-  <p:cSld>
-    <p:spTree>
-      <p:nvGrpSpPr>
-        <p:cNvPr id="1" name=""/>
-        <p:cNvGrpSpPr/>
-        <p:nvPr/>
-      </p:nvGrpSpPr>
-      <p:grpSpPr>
-        <a:xfrm>
-          <a:off x="0" y="0"/>
-          <a:ext cx="0" cy="0"/>
-          <a:chOff x="0" y="0"/>
-          <a:chExt cx="0" cy="0"/>
-        </a:xfrm>
-      </p:grpSpPr>
-      <p:sp>
-        <p:nvSpPr>
-          <p:cNvPr id="2" name="Title 1">
-            <a:extLst>
-              <a:ext uri="{FF2B5EF4-FFF2-40B4-BE49-F238E27FC236}">
-                <a16:creationId xmlns:a16="http://schemas.microsoft.com/office/drawing/2014/main" id="{2A5755BE-860E-40EB-ADA6-6E82BCB49EC3}"/>
-              </a:ext>
-            </a:extLst>
-          </p:cNvPr>
-          <p:cNvSpPr>
-            <a:spLocks noGrp="1"/>
-          </p:cNvSpPr>
-          <p:nvPr>
-            <p:ph type="title"/>
-          </p:nvPr>
-        </p:nvSpPr>
-        <p:spPr/>
-        <p:txBody>
-          <a:bodyPr/>
-          <a:lstStyle/>
-          <a:p>
-            <a:r>
-              <a:rPr lang="en-US" dirty="0"/>
-              <a:t>Prework &amp; Announcements</a:t>
-            </a:r>
-          </a:p>
-        </p:txBody>
-      </p:sp>
-      <p:sp>
-        <p:nvSpPr>
-          <p:cNvPr id="3" name="Content Placeholder 2">
-            <a:extLst>
-              <a:ext uri="{FF2B5EF4-FFF2-40B4-BE49-F238E27FC236}">
-                <a16:creationId xmlns:a16="http://schemas.microsoft.com/office/drawing/2014/main" id="{72EF5DE0-5958-4171-A9E3-3D288A31AC3F}"/>
-              </a:ext>
-            </a:extLst>
-          </p:cNvPr>
-          <p:cNvSpPr>
-            <a:spLocks noGrp="1"/>
-          </p:cNvSpPr>
-          <p:nvPr>
-            <p:ph idx="1"/>
-          </p:nvPr>
-        </p:nvSpPr>
-        <p:spPr>
-          <a:xfrm>
-            <a:off x="838200" y="1654444"/>
-            <a:ext cx="10515600" cy="4522519"/>
-          </a:xfrm>
-        </p:spPr>
-        <p:txBody>
-          <a:bodyPr>
-            <a:normAutofit/>
-          </a:bodyPr>
-          <a:lstStyle/>
-          <a:p>
-            <a:pPr marL="0" indent="0">
-              <a:buNone/>
-            </a:pPr>
-            <a:endParaRPr lang="en-US" sz="2000" dirty="0"/>
-          </a:p>
-        </p:txBody>
-      </p:sp>
-    </p:spTree>
-    <p:extLst>
-      <p:ext uri="{BB962C8B-B14F-4D97-AF65-F5344CB8AC3E}">
-        <p14:creationId xmlns:p14="http://schemas.microsoft.com/office/powerpoint/2010/main" val="931905618"/>
-      </p:ext>
-    </p:extLst>
-  </p:cSld>
-  <p:clrMapOvr>
-    <a:masterClrMapping/>
-  </p:clrMapOvr>
-</p:sld>
-</file>
-
-<file path=ppt/slides/slide5.xml><?xml version="1.0" encoding="utf-8"?>
-<p:sld xmlns:a="http://schemas.openxmlformats.org/drawingml/2006/main" xmlns:r="http://schemas.openxmlformats.org/officeDocument/2006/relationships" xmlns:p="http://schemas.openxmlformats.org/presentationml/2006/main">
-  <p:cSld>
-    <p:spTree>
-      <p:nvGrpSpPr>
-        <p:cNvPr id="1" name=""/>
-        <p:cNvGrpSpPr/>
-        <p:nvPr/>
-      </p:nvGrpSpPr>
-      <p:grpSpPr>
-        <a:xfrm>
-          <a:off x="0" y="0"/>
-          <a:ext cx="0" cy="0"/>
-          <a:chOff x="0" y="0"/>
-          <a:chExt cx="0" cy="0"/>
-        </a:xfrm>
-      </p:grpSpPr>
-      <p:sp>
-        <p:nvSpPr>
-          <p:cNvPr id="2" name="Title 1"/>
-          <p:cNvSpPr>
-            <a:spLocks noGrp="1"/>
-          </p:cNvSpPr>
-          <p:nvPr>
-            <p:ph type="ctrTitle"/>
-          </p:nvPr>
-        </p:nvSpPr>
-        <p:spPr>
-          <a:xfrm>
-            <a:off x="1524000" y="3051480"/>
-            <a:ext cx="9144000" cy="755040"/>
-          </a:xfrm>
-        </p:spPr>
-        <p:txBody>
-          <a:bodyPr anchor="ctr">
-            <a:normAutofit/>
-          </a:bodyPr>
-          <a:lstStyle/>
-          <a:p>
-            <a:r>
-              <a:rPr lang="en-US" sz="4800" dirty="0"/>
-              <a:t>Q&amp;A  for Sprint 4 </a:t>
-            </a:r>
-          </a:p>
-        </p:txBody>
-      </p:sp>
-    </p:spTree>
-    <p:extLst>
-      <p:ext uri="{BB962C8B-B14F-4D97-AF65-F5344CB8AC3E}">
-        <p14:creationId xmlns:p14="http://schemas.microsoft.com/office/powerpoint/2010/main" val="3331762424"/>
-      </p:ext>
-    </p:extLst>
-  </p:cSld>
-  <p:clrMapOvr>
-    <a:masterClrMapping/>
-  </p:clrMapOvr>
-</p:sld>
-</file>
-
-<file path=ppt/slides/slide6.xml><?xml version="1.0" encoding="utf-8"?>
-<p:sld xmlns:a="http://schemas.openxmlformats.org/drawingml/2006/main" xmlns:r="http://schemas.openxmlformats.org/officeDocument/2006/relationships" xmlns:p="http://schemas.openxmlformats.org/presentationml/2006/main">
-  <p:cSld>
-    <p:spTree>
-      <p:nvGrpSpPr>
-        <p:cNvPr id="1" name=""/>
-        <p:cNvGrpSpPr/>
-        <p:nvPr/>
-      </p:nvGrpSpPr>
-      <p:grpSpPr>
-        <a:xfrm>
-          <a:off x="0" y="0"/>
-          <a:ext cx="0" cy="0"/>
-          <a:chOff x="0" y="0"/>
-          <a:chExt cx="0" cy="0"/>
-        </a:xfrm>
-      </p:grpSpPr>
-      <p:sp>
-        <p:nvSpPr>
-          <p:cNvPr id="2" name="Title 1">
-            <a:extLst>
-              <a:ext uri="{FF2B5EF4-FFF2-40B4-BE49-F238E27FC236}">
-                <a16:creationId xmlns:a16="http://schemas.microsoft.com/office/drawing/2014/main" id="{2A5755BE-860E-40EB-ADA6-6E82BCB49EC3}"/>
-              </a:ext>
-            </a:extLst>
-          </p:cNvPr>
-          <p:cNvSpPr>
-            <a:spLocks noGrp="1"/>
-          </p:cNvSpPr>
-          <p:nvPr>
-            <p:ph type="title"/>
-          </p:nvPr>
-        </p:nvSpPr>
-        <p:spPr/>
-        <p:txBody>
-          <a:bodyPr/>
-          <a:lstStyle/>
-          <a:p>
-            <a:r>
-              <a:rPr lang="en-US" dirty="0"/>
-              <a:t>Assignment</a:t>
-            </a:r>
-          </a:p>
-        </p:txBody>
-      </p:sp>
-      <p:sp>
-        <p:nvSpPr>
-          <p:cNvPr id="3" name="Content Placeholder 2">
-            <a:extLst>
-              <a:ext uri="{FF2B5EF4-FFF2-40B4-BE49-F238E27FC236}">
-                <a16:creationId xmlns:a16="http://schemas.microsoft.com/office/drawing/2014/main" id="{72EF5DE0-5958-4171-A9E3-3D288A31AC3F}"/>
-              </a:ext>
-            </a:extLst>
-          </p:cNvPr>
-          <p:cNvSpPr>
-            <a:spLocks noGrp="1"/>
-          </p:cNvSpPr>
-          <p:nvPr>
-            <p:ph idx="1"/>
-          </p:nvPr>
-        </p:nvSpPr>
-        <p:spPr>
-          <a:xfrm>
-            <a:off x="838200" y="1654444"/>
-            <a:ext cx="10515600" cy="4522519"/>
-          </a:xfrm>
-        </p:spPr>
-        <p:txBody>
-          <a:bodyPr>
-            <a:normAutofit/>
-          </a:bodyPr>
-          <a:lstStyle/>
-          <a:p>
-            <a:pPr marL="0" indent="0">
-              <a:buNone/>
-            </a:pPr>
-            <a:r>
-              <a:rPr lang="en-US" sz="2000" dirty="0"/>
-              <a:t>ALL Sprint 4 Assignments &amp; Activity List Items are due Sunday</a:t>
-            </a:r>
-          </a:p>
-          <a:p>
-            <a:pPr marL="0" indent="0">
-              <a:buNone/>
-            </a:pPr>
-            <a:r>
-              <a:rPr lang="en-US" sz="2000" dirty="0"/>
-              <a:t>Mosaic v2 complete by the start of class on Thursday</a:t>
-            </a:r>
-          </a:p>
-        </p:txBody>
-      </p:sp>
-    </p:spTree>
-    <p:extLst>
-      <p:ext uri="{BB962C8B-B14F-4D97-AF65-F5344CB8AC3E}">
-        <p14:creationId xmlns:p14="http://schemas.microsoft.com/office/powerpoint/2010/main" val="2005828776"/>
-      </p:ext>
-    </p:extLst>
-  </p:cSld>
-  <p:clrMapOvr>
-    <a:masterClrMapping/>
-  </p:clrMapOvr>
-</p:sld>
-</file>
-
-<file path=ppt/slides/slide7.xml><?xml version="1.0" encoding="utf-8"?>
-<p:sld xmlns:a="http://schemas.openxmlformats.org/drawingml/2006/main" xmlns:r="http://schemas.openxmlformats.org/officeDocument/2006/relationships" xmlns:p="http://schemas.openxmlformats.org/presentationml/2006/main">
-  <p:cSld>
-    <p:spTree>
-      <p:nvGrpSpPr>
-        <p:cNvPr id="1" name=""/>
-        <p:cNvGrpSpPr/>
-        <p:nvPr/>
-      </p:nvGrpSpPr>
-      <p:grpSpPr>
-        <a:xfrm>
-          <a:off x="0" y="0"/>
-          <a:ext cx="0" cy="0"/>
-          <a:chOff x="0" y="0"/>
-          <a:chExt cx="0" cy="0"/>
-        </a:xfrm>
-      </p:grpSpPr>
-      <p:sp>
-        <p:nvSpPr>
-          <p:cNvPr id="2" name="Title 1"/>
-          <p:cNvSpPr>
-            <a:spLocks noGrp="1"/>
-          </p:cNvSpPr>
-          <p:nvPr>
             <p:ph type="title"/>
           </p:nvPr>
         </p:nvSpPr>
@@ -5098,6 +4956,36 @@
               <a:buFont typeface="+mj-lt"/>
               <a:buAutoNum type="arabicPeriod"/>
             </a:pPr>
+            <a:r>
+              <a:rPr lang="en-US" sz="2000" dirty="0"/>
+              <a:t>Add a </a:t>
+            </a:r>
+            <a:r>
+              <a:rPr lang="en-US" sz="2000" dirty="0" err="1"/>
+              <a:t>MouseListener</a:t>
+            </a:r>
+            <a:r>
+              <a:rPr lang="en-US" sz="2000" dirty="0"/>
+              <a:t> to </a:t>
+            </a:r>
+            <a:r>
+              <a:rPr lang="en-US" sz="2000" dirty="0" err="1"/>
+              <a:t>MosaicLite</a:t>
+            </a:r>
+            <a:r>
+              <a:rPr lang="en-US" sz="2000" dirty="0"/>
+              <a:t> (14 minutes)</a:t>
+            </a:r>
+          </a:p>
+          <a:p>
+            <a:pPr marL="457200" indent="-457200">
+              <a:buFont typeface="+mj-lt"/>
+              <a:buAutoNum type="arabicPeriod"/>
+            </a:pPr>
+            <a:r>
+              <a:rPr lang="en-US" sz="2000" dirty="0"/>
+              <a:t>Coding together with </a:t>
+            </a:r>
             <a:r>
               <a:rPr lang="en-US" sz="2000" dirty="0" err="1"/>
               <a:t>MosaicLite</a:t>
@@ -5410,7 +5298,7 @@
 </p:sld>
 </file>
 
-<file path=ppt/slides/slide8.xml><?xml version="1.0" encoding="utf-8"?>
+<file path=ppt/slides/slide11.xml><?xml version="1.0" encoding="utf-8"?>
 <p:sld xmlns:a="http://schemas.openxmlformats.org/drawingml/2006/main" xmlns:r="http://schemas.openxmlformats.org/officeDocument/2006/relationships" xmlns:p="http://schemas.openxmlformats.org/presentationml/2006/main">
   <p:cSld>
     <p:bg>
@@ -5470,6 +5358,888 @@
     <p:extLst>
       <p:ext uri="{BB962C8B-B14F-4D97-AF65-F5344CB8AC3E}">
         <p14:creationId xmlns:p14="http://schemas.microsoft.com/office/powerpoint/2010/main" val="4265837666"/>
+      </p:ext>
+    </p:extLst>
+  </p:cSld>
+  <p:clrMapOvr>
+    <a:masterClrMapping/>
+  </p:clrMapOvr>
+</p:sld>
+</file>
+
+<file path=ppt/slides/slide2.xml><?xml version="1.0" encoding="utf-8"?>
+<p:sld xmlns:a="http://schemas.openxmlformats.org/drawingml/2006/main" xmlns:r="http://schemas.openxmlformats.org/officeDocument/2006/relationships" xmlns:p="http://schemas.openxmlformats.org/presentationml/2006/main">
+  <p:cSld>
+    <p:spTree>
+      <p:nvGrpSpPr>
+        <p:cNvPr id="1" name=""/>
+        <p:cNvGrpSpPr/>
+        <p:nvPr/>
+      </p:nvGrpSpPr>
+      <p:grpSpPr>
+        <a:xfrm>
+          <a:off x="0" y="0"/>
+          <a:ext cx="0" cy="0"/>
+          <a:chOff x="0" y="0"/>
+          <a:chExt cx="0" cy="0"/>
+        </a:xfrm>
+      </p:grpSpPr>
+      <p:sp>
+        <p:nvSpPr>
+          <p:cNvPr id="2" name="Title 1"/>
+          <p:cNvSpPr>
+            <a:spLocks noGrp="1"/>
+          </p:cNvSpPr>
+          <p:nvPr>
+            <p:ph type="ctrTitle"/>
+          </p:nvPr>
+        </p:nvSpPr>
+        <p:spPr>
+          <a:xfrm>
+            <a:off x="1524000" y="3051480"/>
+            <a:ext cx="9144000" cy="755040"/>
+          </a:xfrm>
+        </p:spPr>
+        <p:txBody>
+          <a:bodyPr anchor="ctr">
+            <a:normAutofit/>
+          </a:bodyPr>
+          <a:lstStyle/>
+          <a:p>
+            <a:r>
+              <a:rPr lang="en-US" sz="4800" dirty="0"/>
+              <a:t>Friendly Conversation Topic - Stories</a:t>
+            </a:r>
+          </a:p>
+        </p:txBody>
+      </p:sp>
+    </p:spTree>
+    <p:extLst>
+      <p:ext uri="{BB962C8B-B14F-4D97-AF65-F5344CB8AC3E}">
+        <p14:creationId xmlns:p14="http://schemas.microsoft.com/office/powerpoint/2010/main" val="1083335476"/>
+      </p:ext>
+    </p:extLst>
+  </p:cSld>
+  <p:clrMapOvr>
+    <a:masterClrMapping/>
+  </p:clrMapOvr>
+</p:sld>
+</file>
+
+<file path=ppt/slides/slide3.xml><?xml version="1.0" encoding="utf-8"?>
+<p:sld xmlns:a="http://schemas.openxmlformats.org/drawingml/2006/main" xmlns:r="http://schemas.openxmlformats.org/officeDocument/2006/relationships" xmlns:p="http://schemas.openxmlformats.org/presentationml/2006/main">
+  <p:cSld>
+    <p:spTree>
+      <p:nvGrpSpPr>
+        <p:cNvPr id="1" name=""/>
+        <p:cNvGrpSpPr/>
+        <p:nvPr/>
+      </p:nvGrpSpPr>
+      <p:grpSpPr>
+        <a:xfrm>
+          <a:off x="0" y="0"/>
+          <a:ext cx="0" cy="0"/>
+          <a:chOff x="0" y="0"/>
+          <a:chExt cx="0" cy="0"/>
+        </a:xfrm>
+      </p:grpSpPr>
+      <p:sp>
+        <p:nvSpPr>
+          <p:cNvPr id="2" name="Title 1"/>
+          <p:cNvSpPr>
+            <a:spLocks noGrp="1"/>
+          </p:cNvSpPr>
+          <p:nvPr>
+            <p:ph type="ctrTitle"/>
+          </p:nvPr>
+        </p:nvSpPr>
+        <p:spPr>
+          <a:xfrm>
+            <a:off x="1524000" y="3051480"/>
+            <a:ext cx="9144000" cy="755040"/>
+          </a:xfrm>
+        </p:spPr>
+        <p:txBody>
+          <a:bodyPr anchor="ctr">
+            <a:normAutofit fontScale="90000"/>
+          </a:bodyPr>
+          <a:lstStyle/>
+          <a:p>
+            <a:r>
+              <a:rPr lang="en-US" sz="4800" dirty="0"/>
+              <a:t>Final Project Requirements</a:t>
+            </a:r>
+            <a:br>
+              <a:rPr lang="en-US" sz="4800" dirty="0"/>
+            </a:br>
+            <a:r>
+              <a:rPr lang="en-US" sz="4800" dirty="0"/>
+              <a:t>will be in the form of Epics &amp; Stories</a:t>
+            </a:r>
+          </a:p>
+        </p:txBody>
+      </p:sp>
+    </p:spTree>
+    <p:extLst>
+      <p:ext uri="{BB962C8B-B14F-4D97-AF65-F5344CB8AC3E}">
+        <p14:creationId xmlns:p14="http://schemas.microsoft.com/office/powerpoint/2010/main" val="2800733131"/>
+      </p:ext>
+    </p:extLst>
+  </p:cSld>
+  <p:clrMapOvr>
+    <a:masterClrMapping/>
+  </p:clrMapOvr>
+</p:sld>
+</file>
+
+<file path=ppt/slides/slide4.xml><?xml version="1.0" encoding="utf-8"?>
+<p:sld xmlns:a="http://schemas.openxmlformats.org/drawingml/2006/main" xmlns:r="http://schemas.openxmlformats.org/officeDocument/2006/relationships" xmlns:p="http://schemas.openxmlformats.org/presentationml/2006/main">
+  <p:cSld>
+    <p:spTree>
+      <p:nvGrpSpPr>
+        <p:cNvPr id="1" name=""/>
+        <p:cNvGrpSpPr/>
+        <p:nvPr/>
+      </p:nvGrpSpPr>
+      <p:grpSpPr>
+        <a:xfrm>
+          <a:off x="0" y="0"/>
+          <a:ext cx="0" cy="0"/>
+          <a:chOff x="0" y="0"/>
+          <a:chExt cx="0" cy="0"/>
+        </a:xfrm>
+      </p:grpSpPr>
+      <p:sp>
+        <p:nvSpPr>
+          <p:cNvPr id="2" name="Title 1">
+            <a:extLst>
+              <a:ext uri="{FF2B5EF4-FFF2-40B4-BE49-F238E27FC236}">
+                <a16:creationId xmlns:a16="http://schemas.microsoft.com/office/drawing/2014/main" id="{2A5755BE-860E-40EB-ADA6-6E82BCB49EC3}"/>
+              </a:ext>
+            </a:extLst>
+          </p:cNvPr>
+          <p:cNvSpPr>
+            <a:spLocks noGrp="1"/>
+          </p:cNvSpPr>
+          <p:nvPr>
+            <p:ph type="title"/>
+          </p:nvPr>
+        </p:nvSpPr>
+        <p:spPr/>
+        <p:txBody>
+          <a:bodyPr/>
+          <a:lstStyle/>
+          <a:p>
+            <a:r>
+              <a:rPr lang="en-US" dirty="0"/>
+              <a:t>Agile Requirements</a:t>
+            </a:r>
+          </a:p>
+        </p:txBody>
+      </p:sp>
+      <p:sp>
+        <p:nvSpPr>
+          <p:cNvPr id="3" name="Content Placeholder 2">
+            <a:extLst>
+              <a:ext uri="{FF2B5EF4-FFF2-40B4-BE49-F238E27FC236}">
+                <a16:creationId xmlns:a16="http://schemas.microsoft.com/office/drawing/2014/main" id="{72EF5DE0-5958-4171-A9E3-3D288A31AC3F}"/>
+              </a:ext>
+            </a:extLst>
+          </p:cNvPr>
+          <p:cNvSpPr>
+            <a:spLocks noGrp="1"/>
+          </p:cNvSpPr>
+          <p:nvPr>
+            <p:ph idx="1"/>
+          </p:nvPr>
+        </p:nvSpPr>
+        <p:spPr>
+          <a:xfrm>
+            <a:off x="838200" y="1654444"/>
+            <a:ext cx="10515600" cy="4522519"/>
+          </a:xfrm>
+        </p:spPr>
+        <p:txBody>
+          <a:bodyPr>
+            <a:normAutofit/>
+          </a:bodyPr>
+          <a:lstStyle/>
+          <a:p>
+            <a:pPr marL="0" indent="0">
+              <a:buNone/>
+            </a:pPr>
+            <a:r>
+              <a:rPr lang="en-US" sz="2000" dirty="0"/>
+              <a:t>Agile &amp; Scrum </a:t>
+            </a:r>
+          </a:p>
+          <a:p>
+            <a:pPr>
+              <a:buFont typeface="Wingdings" pitchFamily="2" charset="2"/>
+              <a:buChar char="§"/>
+            </a:pPr>
+            <a:r>
+              <a:rPr lang="en-US" sz="2000" dirty="0"/>
+              <a:t>Story (hours or days)</a:t>
+            </a:r>
+          </a:p>
+          <a:p>
+            <a:pPr marL="0" indent="0">
+              <a:buNone/>
+            </a:pPr>
+            <a:endParaRPr lang="en-US" sz="2000" dirty="0"/>
+          </a:p>
+          <a:p>
+            <a:pPr marL="0" indent="0">
+              <a:buNone/>
+            </a:pPr>
+            <a:r>
+              <a:rPr lang="en-US" sz="2000" dirty="0"/>
+              <a:t>Scaled Agile</a:t>
+            </a:r>
+          </a:p>
+          <a:p>
+            <a:pPr>
+              <a:buFont typeface="Wingdings" pitchFamily="2" charset="2"/>
+              <a:buChar char="§"/>
+            </a:pPr>
+            <a:r>
+              <a:rPr lang="en-US" sz="2000" dirty="0"/>
+              <a:t>Epic (months)</a:t>
+            </a:r>
+          </a:p>
+          <a:p>
+            <a:pPr>
+              <a:buFont typeface="Wingdings" pitchFamily="2" charset="2"/>
+              <a:buChar char="§"/>
+            </a:pPr>
+            <a:r>
+              <a:rPr lang="en-US" sz="2000" dirty="0"/>
+              <a:t>Feature (weeks)</a:t>
+            </a:r>
+          </a:p>
+          <a:p>
+            <a:pPr>
+              <a:buFont typeface="Wingdings" pitchFamily="2" charset="2"/>
+              <a:buChar char="§"/>
+            </a:pPr>
+            <a:r>
+              <a:rPr lang="en-US" sz="2000" dirty="0"/>
+              <a:t>Story (hours or days)</a:t>
+            </a:r>
+          </a:p>
+          <a:p>
+            <a:pPr>
+              <a:buFont typeface="Wingdings" pitchFamily="2" charset="2"/>
+              <a:buChar char="§"/>
+            </a:pPr>
+            <a:endParaRPr lang="en-US" sz="2000" dirty="0"/>
+          </a:p>
+        </p:txBody>
+      </p:sp>
+    </p:spTree>
+    <p:extLst>
+      <p:ext uri="{BB962C8B-B14F-4D97-AF65-F5344CB8AC3E}">
+        <p14:creationId xmlns:p14="http://schemas.microsoft.com/office/powerpoint/2010/main" val="381560011"/>
+      </p:ext>
+    </p:extLst>
+  </p:cSld>
+  <p:clrMapOvr>
+    <a:masterClrMapping/>
+  </p:clrMapOvr>
+</p:sld>
+</file>
+
+<file path=ppt/slides/slide5.xml><?xml version="1.0" encoding="utf-8"?>
+<p:sld xmlns:a="http://schemas.openxmlformats.org/drawingml/2006/main" xmlns:r="http://schemas.openxmlformats.org/officeDocument/2006/relationships" xmlns:p="http://schemas.openxmlformats.org/presentationml/2006/main">
+  <p:cSld>
+    <p:spTree>
+      <p:nvGrpSpPr>
+        <p:cNvPr id="1" name=""/>
+        <p:cNvGrpSpPr/>
+        <p:nvPr/>
+      </p:nvGrpSpPr>
+      <p:grpSpPr>
+        <a:xfrm>
+          <a:off x="0" y="0"/>
+          <a:ext cx="0" cy="0"/>
+          <a:chOff x="0" y="0"/>
+          <a:chExt cx="0" cy="0"/>
+        </a:xfrm>
+      </p:grpSpPr>
+      <p:sp>
+        <p:nvSpPr>
+          <p:cNvPr id="2" name="Title 1">
+            <a:extLst>
+              <a:ext uri="{FF2B5EF4-FFF2-40B4-BE49-F238E27FC236}">
+                <a16:creationId xmlns:a16="http://schemas.microsoft.com/office/drawing/2014/main" id="{2A5755BE-860E-40EB-ADA6-6E82BCB49EC3}"/>
+              </a:ext>
+            </a:extLst>
+          </p:cNvPr>
+          <p:cNvSpPr>
+            <a:spLocks noGrp="1"/>
+          </p:cNvSpPr>
+          <p:nvPr>
+            <p:ph type="title"/>
+          </p:nvPr>
+        </p:nvSpPr>
+        <p:spPr/>
+        <p:txBody>
+          <a:bodyPr/>
+          <a:lstStyle/>
+          <a:p>
+            <a:r>
+              <a:rPr lang="en-US" dirty="0"/>
+              <a:t>Agile Stories</a:t>
+            </a:r>
+          </a:p>
+        </p:txBody>
+      </p:sp>
+      <p:sp>
+        <p:nvSpPr>
+          <p:cNvPr id="3" name="Content Placeholder 2">
+            <a:extLst>
+              <a:ext uri="{FF2B5EF4-FFF2-40B4-BE49-F238E27FC236}">
+                <a16:creationId xmlns:a16="http://schemas.microsoft.com/office/drawing/2014/main" id="{72EF5DE0-5958-4171-A9E3-3D288A31AC3F}"/>
+              </a:ext>
+            </a:extLst>
+          </p:cNvPr>
+          <p:cNvSpPr>
+            <a:spLocks noGrp="1"/>
+          </p:cNvSpPr>
+          <p:nvPr>
+            <p:ph idx="1"/>
+          </p:nvPr>
+        </p:nvSpPr>
+        <p:spPr>
+          <a:xfrm>
+            <a:off x="838200" y="1654444"/>
+            <a:ext cx="10515600" cy="4522519"/>
+          </a:xfrm>
+        </p:spPr>
+        <p:txBody>
+          <a:bodyPr>
+            <a:normAutofit/>
+          </a:bodyPr>
+          <a:lstStyle/>
+          <a:p>
+            <a:pPr marL="0" indent="0">
+              <a:buNone/>
+            </a:pPr>
+            <a:r>
+              <a:rPr lang="en-US" sz="2000" dirty="0"/>
+              <a:t>Agile stories are user centric and take the form of:</a:t>
+            </a:r>
+          </a:p>
+          <a:p>
+            <a:pPr marL="0" indent="0">
+              <a:buNone/>
+            </a:pPr>
+            <a:r>
+              <a:rPr lang="en-US" sz="2000" dirty="0"/>
+              <a:t>As a _________</a:t>
+            </a:r>
+          </a:p>
+          <a:p>
+            <a:pPr marL="0" indent="0">
+              <a:buNone/>
+            </a:pPr>
+            <a:r>
+              <a:rPr lang="en-US" sz="2000" dirty="0"/>
+              <a:t>I want  _________</a:t>
+            </a:r>
+          </a:p>
+          <a:p>
+            <a:pPr marL="0" indent="0">
+              <a:buNone/>
+            </a:pPr>
+            <a:r>
+              <a:rPr lang="en-US" sz="2000" dirty="0"/>
+              <a:t>So that _________</a:t>
+            </a:r>
+          </a:p>
+          <a:p>
+            <a:pPr marL="0" indent="0">
+              <a:buNone/>
+            </a:pPr>
+            <a:r>
+              <a:rPr lang="en-US" sz="2000" dirty="0"/>
+              <a:t>Epics &amp; Features follow the same format. </a:t>
+            </a:r>
+          </a:p>
+          <a:p>
+            <a:pPr marL="0" indent="0">
+              <a:buNone/>
+            </a:pPr>
+            <a:endParaRPr lang="en-US" sz="2000" dirty="0"/>
+          </a:p>
+          <a:p>
+            <a:pPr marL="0" indent="0">
+              <a:buNone/>
+            </a:pPr>
+            <a:r>
+              <a:rPr lang="en-US" sz="2000" u="sng" dirty="0"/>
+              <a:t>Example – Epic :</a:t>
+            </a:r>
+          </a:p>
+          <a:p>
+            <a:pPr marL="0" indent="0">
+              <a:buNone/>
+            </a:pPr>
+            <a:r>
+              <a:rPr lang="en-US" sz="2000" dirty="0"/>
+              <a:t>As a college instructor</a:t>
+            </a:r>
+          </a:p>
+          <a:p>
+            <a:pPr marL="0" indent="0">
+              <a:buNone/>
+            </a:pPr>
+            <a:r>
+              <a:rPr lang="en-US" sz="2000" dirty="0"/>
+              <a:t>I want a place to efficiently manage and post my videos</a:t>
+            </a:r>
+          </a:p>
+          <a:p>
+            <a:pPr marL="0" indent="0">
+              <a:buNone/>
+            </a:pPr>
+            <a:r>
+              <a:rPr lang="en-US" sz="2000" dirty="0"/>
+              <a:t>So that my students can view my portfolio of video at their leisure without issues</a:t>
+            </a:r>
+          </a:p>
+        </p:txBody>
+      </p:sp>
+    </p:spTree>
+    <p:extLst>
+      <p:ext uri="{BB962C8B-B14F-4D97-AF65-F5344CB8AC3E}">
+        <p14:creationId xmlns:p14="http://schemas.microsoft.com/office/powerpoint/2010/main" val="4072516163"/>
+      </p:ext>
+    </p:extLst>
+  </p:cSld>
+  <p:clrMapOvr>
+    <a:masterClrMapping/>
+  </p:clrMapOvr>
+</p:sld>
+</file>
+
+<file path=ppt/slides/slide6.xml><?xml version="1.0" encoding="utf-8"?>
+<p:sld xmlns:a="http://schemas.openxmlformats.org/drawingml/2006/main" xmlns:r="http://schemas.openxmlformats.org/officeDocument/2006/relationships" xmlns:p="http://schemas.openxmlformats.org/presentationml/2006/main">
+  <p:cSld>
+    <p:spTree>
+      <p:nvGrpSpPr>
+        <p:cNvPr id="1" name=""/>
+        <p:cNvGrpSpPr/>
+        <p:nvPr/>
+      </p:nvGrpSpPr>
+      <p:grpSpPr>
+        <a:xfrm>
+          <a:off x="0" y="0"/>
+          <a:ext cx="0" cy="0"/>
+          <a:chOff x="0" y="0"/>
+          <a:chExt cx="0" cy="0"/>
+        </a:xfrm>
+      </p:grpSpPr>
+      <p:sp>
+        <p:nvSpPr>
+          <p:cNvPr id="2" name="Title 1">
+            <a:extLst>
+              <a:ext uri="{FF2B5EF4-FFF2-40B4-BE49-F238E27FC236}">
+                <a16:creationId xmlns:a16="http://schemas.microsoft.com/office/drawing/2014/main" id="{2A5755BE-860E-40EB-ADA6-6E82BCB49EC3}"/>
+              </a:ext>
+            </a:extLst>
+          </p:cNvPr>
+          <p:cNvSpPr>
+            <a:spLocks noGrp="1"/>
+          </p:cNvSpPr>
+          <p:nvPr>
+            <p:ph type="title"/>
+          </p:nvPr>
+        </p:nvSpPr>
+        <p:spPr/>
+        <p:txBody>
+          <a:bodyPr/>
+          <a:lstStyle/>
+          <a:p>
+            <a:r>
+              <a:rPr lang="en-US" dirty="0"/>
+              <a:t>Agile Stories</a:t>
+            </a:r>
+          </a:p>
+        </p:txBody>
+      </p:sp>
+      <p:sp>
+        <p:nvSpPr>
+          <p:cNvPr id="3" name="Content Placeholder 2">
+            <a:extLst>
+              <a:ext uri="{FF2B5EF4-FFF2-40B4-BE49-F238E27FC236}">
+                <a16:creationId xmlns:a16="http://schemas.microsoft.com/office/drawing/2014/main" id="{72EF5DE0-5958-4171-A9E3-3D288A31AC3F}"/>
+              </a:ext>
+            </a:extLst>
+          </p:cNvPr>
+          <p:cNvSpPr>
+            <a:spLocks noGrp="1"/>
+          </p:cNvSpPr>
+          <p:nvPr>
+            <p:ph idx="1"/>
+          </p:nvPr>
+        </p:nvSpPr>
+        <p:spPr>
+          <a:xfrm>
+            <a:off x="838200" y="1654444"/>
+            <a:ext cx="10515600" cy="4522519"/>
+          </a:xfrm>
+        </p:spPr>
+        <p:txBody>
+          <a:bodyPr>
+            <a:normAutofit/>
+          </a:bodyPr>
+          <a:lstStyle/>
+          <a:p>
+            <a:pPr marL="0" indent="0">
+              <a:buNone/>
+            </a:pPr>
+            <a:r>
+              <a:rPr lang="en-US" sz="2000" u="sng" dirty="0"/>
+              <a:t>Example – Epic :</a:t>
+            </a:r>
+          </a:p>
+          <a:p>
+            <a:pPr marL="0" indent="0">
+              <a:buNone/>
+            </a:pPr>
+            <a:r>
+              <a:rPr lang="en-US" sz="2000" dirty="0"/>
+              <a:t>As a college instructor</a:t>
+            </a:r>
+          </a:p>
+          <a:p>
+            <a:pPr marL="0" indent="0">
+              <a:buNone/>
+            </a:pPr>
+            <a:r>
+              <a:rPr lang="en-US" sz="2000" dirty="0"/>
+              <a:t>I want a place to efficiently manage and post my videos</a:t>
+            </a:r>
+          </a:p>
+          <a:p>
+            <a:pPr marL="0" indent="0">
+              <a:buNone/>
+            </a:pPr>
+            <a:r>
+              <a:rPr lang="en-US" sz="2000" dirty="0"/>
+              <a:t>So that my students can view my portfolio of video at their leisure without issues</a:t>
+            </a:r>
+          </a:p>
+          <a:p>
+            <a:pPr marL="0" indent="0">
+              <a:buNone/>
+            </a:pPr>
+            <a:endParaRPr lang="en-US" sz="2000" dirty="0"/>
+          </a:p>
+          <a:p>
+            <a:pPr marL="0" indent="0">
+              <a:buNone/>
+            </a:pPr>
+            <a:r>
+              <a:rPr lang="en-US" sz="2000" u="sng" dirty="0"/>
+              <a:t>Example – Story:</a:t>
+            </a:r>
+          </a:p>
+          <a:p>
+            <a:pPr marL="0" indent="0">
+              <a:buNone/>
+            </a:pPr>
+            <a:r>
+              <a:rPr lang="en-US" sz="2000" dirty="0"/>
+              <a:t>As a college instructor</a:t>
+            </a:r>
+          </a:p>
+          <a:p>
+            <a:pPr marL="0" indent="0">
+              <a:buNone/>
+            </a:pPr>
+            <a:r>
+              <a:rPr lang="en-US" sz="2000" dirty="0"/>
+              <a:t>I was to post an internet accessible video</a:t>
+            </a:r>
+          </a:p>
+          <a:p>
+            <a:pPr marL="0" indent="0">
+              <a:buNone/>
+            </a:pPr>
+            <a:r>
+              <a:rPr lang="en-US" sz="2000" dirty="0"/>
+              <a:t>So that my students can view it</a:t>
+            </a:r>
+          </a:p>
+        </p:txBody>
+      </p:sp>
+    </p:spTree>
+    <p:extLst>
+      <p:ext uri="{BB962C8B-B14F-4D97-AF65-F5344CB8AC3E}">
+        <p14:creationId xmlns:p14="http://schemas.microsoft.com/office/powerpoint/2010/main" val="2223370526"/>
+      </p:ext>
+    </p:extLst>
+  </p:cSld>
+  <p:clrMapOvr>
+    <a:masterClrMapping/>
+  </p:clrMapOvr>
+</p:sld>
+</file>
+
+<file path=ppt/slides/slide7.xml><?xml version="1.0" encoding="utf-8"?>
+<p:sld xmlns:a="http://schemas.openxmlformats.org/drawingml/2006/main" xmlns:r="http://schemas.openxmlformats.org/officeDocument/2006/relationships" xmlns:p="http://schemas.openxmlformats.org/presentationml/2006/main">
+  <p:cSld>
+    <p:spTree>
+      <p:nvGrpSpPr>
+        <p:cNvPr id="1" name=""/>
+        <p:cNvGrpSpPr/>
+        <p:nvPr/>
+      </p:nvGrpSpPr>
+      <p:grpSpPr>
+        <a:xfrm>
+          <a:off x="0" y="0"/>
+          <a:ext cx="0" cy="0"/>
+          <a:chOff x="0" y="0"/>
+          <a:chExt cx="0" cy="0"/>
+        </a:xfrm>
+      </p:grpSpPr>
+      <p:sp>
+        <p:nvSpPr>
+          <p:cNvPr id="2" name="Title 1">
+            <a:extLst>
+              <a:ext uri="{FF2B5EF4-FFF2-40B4-BE49-F238E27FC236}">
+                <a16:creationId xmlns:a16="http://schemas.microsoft.com/office/drawing/2014/main" id="{2A5755BE-860E-40EB-ADA6-6E82BCB49EC3}"/>
+              </a:ext>
+            </a:extLst>
+          </p:cNvPr>
+          <p:cNvSpPr>
+            <a:spLocks noGrp="1"/>
+          </p:cNvSpPr>
+          <p:nvPr>
+            <p:ph type="title"/>
+          </p:nvPr>
+        </p:nvSpPr>
+        <p:spPr/>
+        <p:txBody>
+          <a:bodyPr/>
+          <a:lstStyle/>
+          <a:p>
+            <a:r>
+              <a:rPr lang="en-US" dirty="0"/>
+              <a:t>Prework &amp; Announcements</a:t>
+            </a:r>
+          </a:p>
+        </p:txBody>
+      </p:sp>
+      <p:sp>
+        <p:nvSpPr>
+          <p:cNvPr id="3" name="Content Placeholder 2">
+            <a:extLst>
+              <a:ext uri="{FF2B5EF4-FFF2-40B4-BE49-F238E27FC236}">
+                <a16:creationId xmlns:a16="http://schemas.microsoft.com/office/drawing/2014/main" id="{72EF5DE0-5958-4171-A9E3-3D288A31AC3F}"/>
+              </a:ext>
+            </a:extLst>
+          </p:cNvPr>
+          <p:cNvSpPr>
+            <a:spLocks noGrp="1"/>
+          </p:cNvSpPr>
+          <p:nvPr>
+            <p:ph idx="1"/>
+          </p:nvPr>
+        </p:nvSpPr>
+        <p:spPr>
+          <a:xfrm>
+            <a:off x="838200" y="1654444"/>
+            <a:ext cx="10515600" cy="4522519"/>
+          </a:xfrm>
+        </p:spPr>
+        <p:txBody>
+          <a:bodyPr>
+            <a:normAutofit/>
+          </a:bodyPr>
+          <a:lstStyle/>
+          <a:p>
+            <a:pPr marL="0" indent="0">
+              <a:buNone/>
+            </a:pPr>
+            <a:r>
+              <a:rPr lang="en-US" sz="2000" dirty="0"/>
+              <a:t>Mosaic v1 complete before class on Tuesday</a:t>
+            </a:r>
+          </a:p>
+        </p:txBody>
+      </p:sp>
+    </p:spTree>
+    <p:extLst>
+      <p:ext uri="{BB962C8B-B14F-4D97-AF65-F5344CB8AC3E}">
+        <p14:creationId xmlns:p14="http://schemas.microsoft.com/office/powerpoint/2010/main" val="931905618"/>
+      </p:ext>
+    </p:extLst>
+  </p:cSld>
+  <p:clrMapOvr>
+    <a:masterClrMapping/>
+  </p:clrMapOvr>
+</p:sld>
+</file>
+
+<file path=ppt/slides/slide8.xml><?xml version="1.0" encoding="utf-8"?>
+<p:sld xmlns:a="http://schemas.openxmlformats.org/drawingml/2006/main" xmlns:r="http://schemas.openxmlformats.org/officeDocument/2006/relationships" xmlns:p="http://schemas.openxmlformats.org/presentationml/2006/main">
+  <p:cSld>
+    <p:spTree>
+      <p:nvGrpSpPr>
+        <p:cNvPr id="1" name=""/>
+        <p:cNvGrpSpPr/>
+        <p:nvPr/>
+      </p:nvGrpSpPr>
+      <p:grpSpPr>
+        <a:xfrm>
+          <a:off x="0" y="0"/>
+          <a:ext cx="0" cy="0"/>
+          <a:chOff x="0" y="0"/>
+          <a:chExt cx="0" cy="0"/>
+        </a:xfrm>
+      </p:grpSpPr>
+      <p:sp>
+        <p:nvSpPr>
+          <p:cNvPr id="2" name="Title 1"/>
+          <p:cNvSpPr>
+            <a:spLocks noGrp="1"/>
+          </p:cNvSpPr>
+          <p:nvPr>
+            <p:ph type="ctrTitle"/>
+          </p:nvPr>
+        </p:nvSpPr>
+        <p:spPr>
+          <a:xfrm>
+            <a:off x="1524000" y="3051480"/>
+            <a:ext cx="9144000" cy="755040"/>
+          </a:xfrm>
+        </p:spPr>
+        <p:txBody>
+          <a:bodyPr anchor="ctr">
+            <a:normAutofit/>
+          </a:bodyPr>
+          <a:lstStyle/>
+          <a:p>
+            <a:r>
+              <a:rPr lang="en-US" sz="4800" dirty="0"/>
+              <a:t>Q&amp;A  for Sprint 4 </a:t>
+            </a:r>
+          </a:p>
+        </p:txBody>
+      </p:sp>
+    </p:spTree>
+    <p:extLst>
+      <p:ext uri="{BB962C8B-B14F-4D97-AF65-F5344CB8AC3E}">
+        <p14:creationId xmlns:p14="http://schemas.microsoft.com/office/powerpoint/2010/main" val="3331762424"/>
+      </p:ext>
+    </p:extLst>
+  </p:cSld>
+  <p:clrMapOvr>
+    <a:masterClrMapping/>
+  </p:clrMapOvr>
+</p:sld>
+</file>
+
+<file path=ppt/slides/slide9.xml><?xml version="1.0" encoding="utf-8"?>
+<p:sld xmlns:a="http://schemas.openxmlformats.org/drawingml/2006/main" xmlns:r="http://schemas.openxmlformats.org/officeDocument/2006/relationships" xmlns:p="http://schemas.openxmlformats.org/presentationml/2006/main">
+  <p:cSld>
+    <p:spTree>
+      <p:nvGrpSpPr>
+        <p:cNvPr id="1" name=""/>
+        <p:cNvGrpSpPr/>
+        <p:nvPr/>
+      </p:nvGrpSpPr>
+      <p:grpSpPr>
+        <a:xfrm>
+          <a:off x="0" y="0"/>
+          <a:ext cx="0" cy="0"/>
+          <a:chOff x="0" y="0"/>
+          <a:chExt cx="0" cy="0"/>
+        </a:xfrm>
+      </p:grpSpPr>
+      <p:sp>
+        <p:nvSpPr>
+          <p:cNvPr id="2" name="Title 1">
+            <a:extLst>
+              <a:ext uri="{FF2B5EF4-FFF2-40B4-BE49-F238E27FC236}">
+                <a16:creationId xmlns:a16="http://schemas.microsoft.com/office/drawing/2014/main" id="{2A5755BE-860E-40EB-ADA6-6E82BCB49EC3}"/>
+              </a:ext>
+            </a:extLst>
+          </p:cNvPr>
+          <p:cNvSpPr>
+            <a:spLocks noGrp="1"/>
+          </p:cNvSpPr>
+          <p:nvPr>
+            <p:ph type="title"/>
+          </p:nvPr>
+        </p:nvSpPr>
+        <p:spPr/>
+        <p:txBody>
+          <a:bodyPr/>
+          <a:lstStyle/>
+          <a:p>
+            <a:r>
+              <a:rPr lang="en-US" dirty="0"/>
+              <a:t>Assignment</a:t>
+            </a:r>
+          </a:p>
+        </p:txBody>
+      </p:sp>
+      <p:sp>
+        <p:nvSpPr>
+          <p:cNvPr id="3" name="Content Placeholder 2">
+            <a:extLst>
+              <a:ext uri="{FF2B5EF4-FFF2-40B4-BE49-F238E27FC236}">
+                <a16:creationId xmlns:a16="http://schemas.microsoft.com/office/drawing/2014/main" id="{72EF5DE0-5958-4171-A9E3-3D288A31AC3F}"/>
+              </a:ext>
+            </a:extLst>
+          </p:cNvPr>
+          <p:cNvSpPr>
+            <a:spLocks noGrp="1"/>
+          </p:cNvSpPr>
+          <p:nvPr>
+            <p:ph idx="1"/>
+          </p:nvPr>
+        </p:nvSpPr>
+        <p:spPr>
+          <a:xfrm>
+            <a:off x="838200" y="1654444"/>
+            <a:ext cx="10515600" cy="4522519"/>
+          </a:xfrm>
+        </p:spPr>
+        <p:txBody>
+          <a:bodyPr>
+            <a:normAutofit/>
+          </a:bodyPr>
+          <a:lstStyle/>
+          <a:p>
+            <a:pPr marL="0" indent="0">
+              <a:buNone/>
+            </a:pPr>
+            <a:r>
+              <a:rPr lang="en-US" sz="2000" dirty="0"/>
+              <a:t>ALL Sprint 4 Assignments &amp; Activity List Items are due Sunday</a:t>
+            </a:r>
+          </a:p>
+          <a:p>
+            <a:pPr marL="0" indent="0">
+              <a:buNone/>
+            </a:pPr>
+            <a:r>
+              <a:rPr lang="en-US" sz="2000" dirty="0"/>
+              <a:t>Mosaic v2 complete by the start of class on Thursday</a:t>
+            </a:r>
+          </a:p>
+        </p:txBody>
+      </p:sp>
+    </p:spTree>
+    <p:extLst>
+      <p:ext uri="{BB962C8B-B14F-4D97-AF65-F5344CB8AC3E}">
+        <p14:creationId xmlns:p14="http://schemas.microsoft.com/office/powerpoint/2010/main" val="2005828776"/>
       </p:ext>
     </p:extLst>
   </p:cSld>

--- a/lecture-slides/2020-03-03-oop.pptx
+++ b/lecture-slides/2020-03-03-oop.pptx
@@ -4956,36 +4956,6 @@
               <a:buFont typeface="+mj-lt"/>
               <a:buAutoNum type="arabicPeriod"/>
             </a:pPr>
-            <a:r>
-              <a:rPr lang="en-US" sz="2000" dirty="0"/>
-              <a:t>Add a </a:t>
-            </a:r>
-            <a:r>
-              <a:rPr lang="en-US" sz="2000" dirty="0" err="1"/>
-              <a:t>MouseListener</a:t>
-            </a:r>
-            <a:r>
-              <a:rPr lang="en-US" sz="2000" dirty="0"/>
-              <a:t> to </a:t>
-            </a:r>
-            <a:r>
-              <a:rPr lang="en-US" sz="2000" dirty="0" err="1"/>
-              <a:t>MosaicLite</a:t>
-            </a:r>
-            <a:r>
-              <a:rPr lang="en-US" sz="2000" dirty="0"/>
-              <a:t> (14 minutes)</a:t>
-            </a:r>
-          </a:p>
-          <a:p>
-            <a:pPr marL="457200" indent="-457200">
-              <a:buFont typeface="+mj-lt"/>
-              <a:buAutoNum type="arabicPeriod"/>
-            </a:pPr>
-            <a:r>
-              <a:rPr lang="en-US" sz="2000" dirty="0"/>
-              <a:t>Coding together with </a:t>
-            </a:r>
             <a:r>
               <a:rPr lang="en-US" sz="2000" dirty="0" err="1"/>
               <a:t>MosaicLite</a:t>
